--- a/imagenesKobolMovil.pptx
+++ b/imagenesKobolMovil.pptx
@@ -305,6 +305,7 @@
           <a:p>
             <a:fld id="{2A878245-F477-4957-A9D9-344474F8D8B8}" type="datetimeFigureOut">
               <a:rPr lang="es-ES" smtClean="0"/>
+              <a:pPr/>
               <a:t>25/04/2024</a:t>
             </a:fld>
             <a:endParaRPr lang="es-ES"/>
@@ -347,6 +348,7 @@
           <a:p>
             <a:fld id="{E7BA9A02-EE92-4678-98DC-98F3A0C4F32E}" type="slidenum">
               <a:rPr lang="es-ES" smtClean="0"/>
+              <a:pPr/>
               <a:t>‹Nº›</a:t>
             </a:fld>
             <a:endParaRPr lang="es-ES"/>
@@ -470,6 +472,7 @@
           <a:p>
             <a:fld id="{2A878245-F477-4957-A9D9-344474F8D8B8}" type="datetimeFigureOut">
               <a:rPr lang="es-ES" smtClean="0"/>
+              <a:pPr/>
               <a:t>25/04/2024</a:t>
             </a:fld>
             <a:endParaRPr lang="es-ES"/>
@@ -512,6 +515,7 @@
           <a:p>
             <a:fld id="{E7BA9A02-EE92-4678-98DC-98F3A0C4F32E}" type="slidenum">
               <a:rPr lang="es-ES" smtClean="0"/>
+              <a:pPr/>
               <a:t>‹Nº›</a:t>
             </a:fld>
             <a:endParaRPr lang="es-ES"/>
@@ -645,6 +649,7 @@
           <a:p>
             <a:fld id="{2A878245-F477-4957-A9D9-344474F8D8B8}" type="datetimeFigureOut">
               <a:rPr lang="es-ES" smtClean="0"/>
+              <a:pPr/>
               <a:t>25/04/2024</a:t>
             </a:fld>
             <a:endParaRPr lang="es-ES"/>
@@ -687,6 +692,7 @@
           <a:p>
             <a:fld id="{E7BA9A02-EE92-4678-98DC-98F3A0C4F32E}" type="slidenum">
               <a:rPr lang="es-ES" smtClean="0"/>
+              <a:pPr/>
               <a:t>‹Nº›</a:t>
             </a:fld>
             <a:endParaRPr lang="es-ES"/>
@@ -810,6 +816,7 @@
           <a:p>
             <a:fld id="{2A878245-F477-4957-A9D9-344474F8D8B8}" type="datetimeFigureOut">
               <a:rPr lang="es-ES" smtClean="0"/>
+              <a:pPr/>
               <a:t>25/04/2024</a:t>
             </a:fld>
             <a:endParaRPr lang="es-ES"/>
@@ -852,6 +859,7 @@
           <a:p>
             <a:fld id="{E7BA9A02-EE92-4678-98DC-98F3A0C4F32E}" type="slidenum">
               <a:rPr lang="es-ES" smtClean="0"/>
+              <a:pPr/>
               <a:t>‹Nº›</a:t>
             </a:fld>
             <a:endParaRPr lang="es-ES"/>
@@ -1051,6 +1059,7 @@
           <a:p>
             <a:fld id="{2A878245-F477-4957-A9D9-344474F8D8B8}" type="datetimeFigureOut">
               <a:rPr lang="es-ES" smtClean="0"/>
+              <a:pPr/>
               <a:t>25/04/2024</a:t>
             </a:fld>
             <a:endParaRPr lang="es-ES"/>
@@ -1093,6 +1102,7 @@
           <a:p>
             <a:fld id="{E7BA9A02-EE92-4678-98DC-98F3A0C4F32E}" type="slidenum">
               <a:rPr lang="es-ES" smtClean="0"/>
+              <a:pPr/>
               <a:t>‹Nº›</a:t>
             </a:fld>
             <a:endParaRPr lang="es-ES"/>
@@ -1334,6 +1344,7 @@
           <a:p>
             <a:fld id="{2A878245-F477-4957-A9D9-344474F8D8B8}" type="datetimeFigureOut">
               <a:rPr lang="es-ES" smtClean="0"/>
+              <a:pPr/>
               <a:t>25/04/2024</a:t>
             </a:fld>
             <a:endParaRPr lang="es-ES"/>
@@ -1376,6 +1387,7 @@
           <a:p>
             <a:fld id="{E7BA9A02-EE92-4678-98DC-98F3A0C4F32E}" type="slidenum">
               <a:rPr lang="es-ES" smtClean="0"/>
+              <a:pPr/>
               <a:t>‹Nº›</a:t>
             </a:fld>
             <a:endParaRPr lang="es-ES"/>
@@ -1751,6 +1763,7 @@
           <a:p>
             <a:fld id="{2A878245-F477-4957-A9D9-344474F8D8B8}" type="datetimeFigureOut">
               <a:rPr lang="es-ES" smtClean="0"/>
+              <a:pPr/>
               <a:t>25/04/2024</a:t>
             </a:fld>
             <a:endParaRPr lang="es-ES"/>
@@ -1793,6 +1806,7 @@
           <a:p>
             <a:fld id="{E7BA9A02-EE92-4678-98DC-98F3A0C4F32E}" type="slidenum">
               <a:rPr lang="es-ES" smtClean="0"/>
+              <a:pPr/>
               <a:t>‹Nº›</a:t>
             </a:fld>
             <a:endParaRPr lang="es-ES"/>
@@ -1864,6 +1878,7 @@
           <a:p>
             <a:fld id="{2A878245-F477-4957-A9D9-344474F8D8B8}" type="datetimeFigureOut">
               <a:rPr lang="es-ES" smtClean="0"/>
+              <a:pPr/>
               <a:t>25/04/2024</a:t>
             </a:fld>
             <a:endParaRPr lang="es-ES"/>
@@ -1906,6 +1921,7 @@
           <a:p>
             <a:fld id="{E7BA9A02-EE92-4678-98DC-98F3A0C4F32E}" type="slidenum">
               <a:rPr lang="es-ES" smtClean="0"/>
+              <a:pPr/>
               <a:t>‹Nº›</a:t>
             </a:fld>
             <a:endParaRPr lang="es-ES"/>
@@ -1954,6 +1970,7 @@
           <a:p>
             <a:fld id="{2A878245-F477-4957-A9D9-344474F8D8B8}" type="datetimeFigureOut">
               <a:rPr lang="es-ES" smtClean="0"/>
+              <a:pPr/>
               <a:t>25/04/2024</a:t>
             </a:fld>
             <a:endParaRPr lang="es-ES"/>
@@ -1996,6 +2013,7 @@
           <a:p>
             <a:fld id="{E7BA9A02-EE92-4678-98DC-98F3A0C4F32E}" type="slidenum">
               <a:rPr lang="es-ES" smtClean="0"/>
+              <a:pPr/>
               <a:t>‹Nº›</a:t>
             </a:fld>
             <a:endParaRPr lang="es-ES"/>
@@ -2226,6 +2244,7 @@
           <a:p>
             <a:fld id="{2A878245-F477-4957-A9D9-344474F8D8B8}" type="datetimeFigureOut">
               <a:rPr lang="es-ES" smtClean="0"/>
+              <a:pPr/>
               <a:t>25/04/2024</a:t>
             </a:fld>
             <a:endParaRPr lang="es-ES"/>
@@ -2268,6 +2287,7 @@
           <a:p>
             <a:fld id="{E7BA9A02-EE92-4678-98DC-98F3A0C4F32E}" type="slidenum">
               <a:rPr lang="es-ES" smtClean="0"/>
+              <a:pPr/>
               <a:t>‹Nº›</a:t>
             </a:fld>
             <a:endParaRPr lang="es-ES"/>
@@ -2474,6 +2494,7 @@
           <a:p>
             <a:fld id="{2A878245-F477-4957-A9D9-344474F8D8B8}" type="datetimeFigureOut">
               <a:rPr lang="es-ES" smtClean="0"/>
+              <a:pPr/>
               <a:t>25/04/2024</a:t>
             </a:fld>
             <a:endParaRPr lang="es-ES"/>
@@ -2516,6 +2537,7 @@
           <a:p>
             <a:fld id="{E7BA9A02-EE92-4678-98DC-98F3A0C4F32E}" type="slidenum">
               <a:rPr lang="es-ES" smtClean="0"/>
+              <a:pPr/>
               <a:t>‹Nº›</a:t>
             </a:fld>
             <a:endParaRPr lang="es-ES"/>
@@ -2682,6 +2704,7 @@
           <a:p>
             <a:fld id="{2A878245-F477-4957-A9D9-344474F8D8B8}" type="datetimeFigureOut">
               <a:rPr lang="es-ES" smtClean="0"/>
+              <a:pPr/>
               <a:t>25/04/2024</a:t>
             </a:fld>
             <a:endParaRPr lang="es-ES"/>
@@ -2760,6 +2783,7 @@
           <a:p>
             <a:fld id="{E7BA9A02-EE92-4678-98DC-98F3A0C4F32E}" type="slidenum">
               <a:rPr lang="es-ES" smtClean="0"/>
+              <a:pPr/>
               <a:t>‹Nº›</a:t>
             </a:fld>
             <a:endParaRPr lang="es-ES"/>
@@ -3390,7 +3414,7 @@
           </a:ln>
           <a:extLst>
             <a:ext uri="{53640926-AAD7-44D8-BBD7-CCE9431645EC}">
-              <a14:shadowObscured xmlns:ve="http://schemas.openxmlformats.org/markup-compatibility/2006" xmlns:m="http://schemas.openxmlformats.org/officeDocument/2006/math" xmlns:wp="http://schemas.openxmlformats.org/drawingml/2006/wordprocessingDrawing" xmlns:wne="http://schemas.microsoft.com/office/word/2006/wordml" xmlns:a14="http://schemas.microsoft.com/office/drawing/2010/main" xmlns:wps="http://schemas.microsoft.com/office/word/2010/wordprocessingShape" xmlns:wpi="http://schemas.microsoft.com/office/word/2010/wordprocessingInk" xmlns:wpg="http://schemas.microsoft.com/office/word/2010/wordprocessingGroup" xmlns:w16se="http://schemas.microsoft.com/office/word/2015/wordml/symex" xmlns:w16sdtdh="http://schemas.microsoft.com/office/word/2020/wordml/sdtdatahash" xmlns:w16du="http://schemas.microsoft.com/office/word/2023/wordml/word16du" xmlns:w16="http://schemas.microsoft.com/office/word/2018/wordml" xmlns:w16cid="http://schemas.microsoft.com/office/word/2016/wordml/cid" xmlns:w16cex="http://schemas.microsoft.com/office/word/2018/wordml/cex" xmlns:w15="http://schemas.microsoft.com/office/word/2012/wordml" xmlns:w14="http://schemas.microsoft.com/office/word/2010/wordml" xmlns:w="http://schemas.openxmlformats.org/wordprocessingml/2006/main" xmlns:w10="urn:schemas-microsoft-com:office:word" xmlns:wp14="http://schemas.microsoft.com/office/word/2010/wordprocessingDrawing" xmlns:v="urn:schemas-microsoft-com:vml" xmlns:oel="http://schemas.microsoft.com/office/2019/extlst" xmlns:o="urn:schemas-microsoft-com:office:office" xmlns:am3d="http://schemas.microsoft.com/office/drawing/2017/model3d" xmlns:aink="http://schemas.microsoft.com/office/drawing/2016/ink" xmlns:mc="http://schemas.openxmlformats.org/markup-compatibility/2006" xmlns:cx8="http://schemas.microsoft.com/office/drawing/2016/5/14/chartex" xmlns:cx7="http://schemas.microsoft.com/office/drawing/2016/5/13/chartex" xmlns:cx6="http://schemas.microsoft.com/office/drawing/2016/5/12/chartex" xmlns:cx5="http://schemas.microsoft.com/office/drawing/2016/5/11/chartex" xmlns:cx4="http://schemas.microsoft.com/office/drawing/2016/5/10/chartex" xmlns:cx3="http://schemas.microsoft.com/office/drawing/2016/5/9/chartex" xmlns:cx2="http://schemas.microsoft.com/office/drawing/2015/10/21/chartex" xmlns:cx1="http://schemas.microsoft.com/office/drawing/2015/9/8/chartex" xmlns:cx="http://schemas.microsoft.com/office/drawing/2014/chartex" xmlns:wpc="http://schemas.microsoft.com/office/word/2010/wordprocessingCanvas" xmlns="" xmlns:pic="http://schemas.openxmlformats.org/drawingml/2006/picture" xmlns:lc="http://schemas.openxmlformats.org/drawingml/2006/lockedCanvas"/>
+              <a14:shadowObscured xmlns:lc="http://schemas.openxmlformats.org/drawingml/2006/lockedCanvas" xmlns:pic="http://schemas.openxmlformats.org/drawingml/2006/picture" xmlns="" xmlns:wpc="http://schemas.microsoft.com/office/word/2010/wordprocessingCanvas" xmlns:cx="http://schemas.microsoft.com/office/drawing/2014/chartex" xmlns:cx1="http://schemas.microsoft.com/office/drawing/2015/9/8/chartex" xmlns:cx2="http://schemas.microsoft.com/office/drawing/2015/10/21/chartex" xmlns:cx3="http://schemas.microsoft.com/office/drawing/2016/5/9/chartex" xmlns:cx4="http://schemas.microsoft.com/office/drawing/2016/5/10/chartex" xmlns:cx5="http://schemas.microsoft.com/office/drawing/2016/5/11/chartex" xmlns:cx6="http://schemas.microsoft.com/office/drawing/2016/5/12/chartex" xmlns:cx7="http://schemas.microsoft.com/office/drawing/2016/5/13/chartex" xmlns:cx8="http://schemas.microsoft.com/office/drawing/2016/5/14/chartex" xmlns:mc="http://schemas.openxmlformats.org/markup-compatibility/2006" xmlns:aink="http://schemas.microsoft.com/office/drawing/2016/ink" xmlns:am3d="http://schemas.microsoft.com/office/drawing/2017/model3d" xmlns:o="urn:schemas-microsoft-com:office:office" xmlns:oel="http://schemas.microsoft.com/office/2019/extlst" xmlns:v="urn:schemas-microsoft-com:vml" xmlns:wp14="http://schemas.microsoft.com/office/word/2010/wordprocessingDrawing" xmlns:w10="urn:schemas-microsoft-com:office:word" xmlns:w="http://schemas.openxmlformats.org/wordprocessingml/2006/main" xmlns:w14="http://schemas.microsoft.com/office/word/2010/wordml" xmlns:w15="http://schemas.microsoft.com/office/word/2012/wordml" xmlns:w16cex="http://schemas.microsoft.com/office/word/2018/wordml/cex" xmlns:w16cid="http://schemas.microsoft.com/office/word/2016/wordml/cid" xmlns:w16="http://schemas.microsoft.com/office/word/2018/wordml" xmlns:w16du="http://schemas.microsoft.com/office/word/2023/wordml/word16du" xmlns:w16sdtdh="http://schemas.microsoft.com/office/word/2020/wordml/sdtdatahash" xmlns:w16se="http://schemas.microsoft.com/office/word/2015/wordml/symex" xmlns:wpg="http://schemas.microsoft.com/office/word/2010/wordprocessingGroup" xmlns:wpi="http://schemas.microsoft.com/office/word/2010/wordprocessingInk" xmlns:wps="http://schemas.microsoft.com/office/word/2010/wordprocessingShape" xmlns:a14="http://schemas.microsoft.com/office/drawing/2010/main" xmlns:wne="http://schemas.microsoft.com/office/word/2006/wordml" xmlns:wp="http://schemas.openxmlformats.org/drawingml/2006/wordprocessingDrawing" xmlns:m="http://schemas.openxmlformats.org/officeDocument/2006/math" xmlns:ve="http://schemas.openxmlformats.org/markup-compatibility/2006"/>
             </a:ext>
           </a:extLst>
         </p:spPr>
@@ -3623,7 +3647,7 @@
           <a:blip r:embed="rId3">
             <a:extLst>
               <a:ext uri="{28A0092B-C50C-407E-A947-70E740481C1C}">
-                <a14:useLocalDpi xmlns:ve="http://schemas.openxmlformats.org/markup-compatibility/2006" xmlns:m="http://schemas.openxmlformats.org/officeDocument/2006/math" xmlns:wp="http://schemas.openxmlformats.org/drawingml/2006/wordprocessingDrawing" xmlns:wne="http://schemas.microsoft.com/office/word/2006/wordml" xmlns:a14="http://schemas.microsoft.com/office/drawing/2010/main" xmlns:wps="http://schemas.microsoft.com/office/word/2010/wordprocessingShape" xmlns:wpi="http://schemas.microsoft.com/office/word/2010/wordprocessingInk" xmlns:wpg="http://schemas.microsoft.com/office/word/2010/wordprocessingGroup" xmlns:w16se="http://schemas.microsoft.com/office/word/2015/wordml/symex" xmlns:w16sdtdh="http://schemas.microsoft.com/office/word/2020/wordml/sdtdatahash" xmlns:w16du="http://schemas.microsoft.com/office/word/2023/wordml/word16du" xmlns:w16="http://schemas.microsoft.com/office/word/2018/wordml" xmlns:w16cid="http://schemas.microsoft.com/office/word/2016/wordml/cid" xmlns:w16cex="http://schemas.microsoft.com/office/word/2018/wordml/cex" xmlns:w15="http://schemas.microsoft.com/office/word/2012/wordml" xmlns:w14="http://schemas.microsoft.com/office/word/2010/wordml" xmlns:w="http://schemas.openxmlformats.org/wordprocessingml/2006/main" xmlns:w10="urn:schemas-microsoft-com:office:word" xmlns:wp14="http://schemas.microsoft.com/office/word/2010/wordprocessingDrawing" xmlns:v="urn:schemas-microsoft-com:vml" xmlns:oel="http://schemas.microsoft.com/office/2019/extlst" xmlns:o="urn:schemas-microsoft-com:office:office" xmlns:am3d="http://schemas.microsoft.com/office/drawing/2017/model3d" xmlns:aink="http://schemas.microsoft.com/office/drawing/2016/ink" xmlns:mc="http://schemas.openxmlformats.org/markup-compatibility/2006" xmlns:cx8="http://schemas.microsoft.com/office/drawing/2016/5/14/chartex" xmlns:cx7="http://schemas.microsoft.com/office/drawing/2016/5/13/chartex" xmlns:cx6="http://schemas.microsoft.com/office/drawing/2016/5/12/chartex" xmlns:cx5="http://schemas.microsoft.com/office/drawing/2016/5/11/chartex" xmlns:cx4="http://schemas.microsoft.com/office/drawing/2016/5/10/chartex" xmlns:cx3="http://schemas.microsoft.com/office/drawing/2016/5/9/chartex" xmlns:cx2="http://schemas.microsoft.com/office/drawing/2015/10/21/chartex" xmlns:cx1="http://schemas.microsoft.com/office/drawing/2015/9/8/chartex" xmlns:cx="http://schemas.microsoft.com/office/drawing/2014/chartex" xmlns:wpc="http://schemas.microsoft.com/office/word/2010/wordprocessingCanvas" xmlns="" xmlns:pic="http://schemas.openxmlformats.org/drawingml/2006/picture" xmlns:lc="http://schemas.openxmlformats.org/drawingml/2006/lockedCanvas" val="0"/>
+                <a14:useLocalDpi xmlns:lc="http://schemas.openxmlformats.org/drawingml/2006/lockedCanvas" xmlns:pic="http://schemas.openxmlformats.org/drawingml/2006/picture" xmlns="" xmlns:wpc="http://schemas.microsoft.com/office/word/2010/wordprocessingCanvas" xmlns:cx="http://schemas.microsoft.com/office/drawing/2014/chartex" xmlns:cx1="http://schemas.microsoft.com/office/drawing/2015/9/8/chartex" xmlns:cx2="http://schemas.microsoft.com/office/drawing/2015/10/21/chartex" xmlns:cx3="http://schemas.microsoft.com/office/drawing/2016/5/9/chartex" xmlns:cx4="http://schemas.microsoft.com/office/drawing/2016/5/10/chartex" xmlns:cx5="http://schemas.microsoft.com/office/drawing/2016/5/11/chartex" xmlns:cx6="http://schemas.microsoft.com/office/drawing/2016/5/12/chartex" xmlns:cx7="http://schemas.microsoft.com/office/drawing/2016/5/13/chartex" xmlns:cx8="http://schemas.microsoft.com/office/drawing/2016/5/14/chartex" xmlns:mc="http://schemas.openxmlformats.org/markup-compatibility/2006" xmlns:aink="http://schemas.microsoft.com/office/drawing/2016/ink" xmlns:am3d="http://schemas.microsoft.com/office/drawing/2017/model3d" xmlns:o="urn:schemas-microsoft-com:office:office" xmlns:oel="http://schemas.microsoft.com/office/2019/extlst" xmlns:v="urn:schemas-microsoft-com:vml" xmlns:wp14="http://schemas.microsoft.com/office/word/2010/wordprocessingDrawing" xmlns:w10="urn:schemas-microsoft-com:office:word" xmlns:w="http://schemas.openxmlformats.org/wordprocessingml/2006/main" xmlns:w14="http://schemas.microsoft.com/office/word/2010/wordml" xmlns:w15="http://schemas.microsoft.com/office/word/2012/wordml" xmlns:w16cex="http://schemas.microsoft.com/office/word/2018/wordml/cex" xmlns:w16cid="http://schemas.microsoft.com/office/word/2016/wordml/cid" xmlns:w16="http://schemas.microsoft.com/office/word/2018/wordml" xmlns:w16du="http://schemas.microsoft.com/office/word/2023/wordml/word16du" xmlns:w16sdtdh="http://schemas.microsoft.com/office/word/2020/wordml/sdtdatahash" xmlns:w16se="http://schemas.microsoft.com/office/word/2015/wordml/symex" xmlns:wpg="http://schemas.microsoft.com/office/word/2010/wordprocessingGroup" xmlns:wpi="http://schemas.microsoft.com/office/word/2010/wordprocessingInk" xmlns:wps="http://schemas.microsoft.com/office/word/2010/wordprocessingShape" xmlns:a14="http://schemas.microsoft.com/office/drawing/2010/main" xmlns:wne="http://schemas.microsoft.com/office/word/2006/wordml" xmlns:wp="http://schemas.openxmlformats.org/drawingml/2006/wordprocessingDrawing" xmlns:m="http://schemas.openxmlformats.org/officeDocument/2006/math" xmlns:ve="http://schemas.openxmlformats.org/markup-compatibility/2006" val="0"/>
               </a:ext>
             </a:extLst>
           </a:blip>
@@ -3902,7 +3926,7 @@
           <a:blip r:embed="rId2">
             <a:extLst>
               <a:ext uri="{28A0092B-C50C-407E-A947-70E740481C1C}">
-                <a14:useLocalDpi xmlns:ve="http://schemas.openxmlformats.org/markup-compatibility/2006" xmlns:m="http://schemas.openxmlformats.org/officeDocument/2006/math" xmlns:wp="http://schemas.openxmlformats.org/drawingml/2006/wordprocessingDrawing" xmlns:wne="http://schemas.microsoft.com/office/word/2006/wordml" xmlns:a14="http://schemas.microsoft.com/office/drawing/2010/main" xmlns:wps="http://schemas.microsoft.com/office/word/2010/wordprocessingShape" xmlns:wpi="http://schemas.microsoft.com/office/word/2010/wordprocessingInk" xmlns:wpg="http://schemas.microsoft.com/office/word/2010/wordprocessingGroup" xmlns:w16se="http://schemas.microsoft.com/office/word/2015/wordml/symex" xmlns:w16sdtdh="http://schemas.microsoft.com/office/word/2020/wordml/sdtdatahash" xmlns:w16du="http://schemas.microsoft.com/office/word/2023/wordml/word16du" xmlns:w16="http://schemas.microsoft.com/office/word/2018/wordml" xmlns:w16cid="http://schemas.microsoft.com/office/word/2016/wordml/cid" xmlns:w16cex="http://schemas.microsoft.com/office/word/2018/wordml/cex" xmlns:w15="http://schemas.microsoft.com/office/word/2012/wordml" xmlns:w14="http://schemas.microsoft.com/office/word/2010/wordml" xmlns:w="http://schemas.openxmlformats.org/wordprocessingml/2006/main" xmlns:w10="urn:schemas-microsoft-com:office:word" xmlns:wp14="http://schemas.microsoft.com/office/word/2010/wordprocessingDrawing" xmlns:v="urn:schemas-microsoft-com:vml" xmlns:oel="http://schemas.microsoft.com/office/2019/extlst" xmlns:o="urn:schemas-microsoft-com:office:office" xmlns:am3d="http://schemas.microsoft.com/office/drawing/2017/model3d" xmlns:aink="http://schemas.microsoft.com/office/drawing/2016/ink" xmlns:mc="http://schemas.openxmlformats.org/markup-compatibility/2006" xmlns:cx8="http://schemas.microsoft.com/office/drawing/2016/5/14/chartex" xmlns:cx7="http://schemas.microsoft.com/office/drawing/2016/5/13/chartex" xmlns:cx6="http://schemas.microsoft.com/office/drawing/2016/5/12/chartex" xmlns:cx5="http://schemas.microsoft.com/office/drawing/2016/5/11/chartex" xmlns:cx4="http://schemas.microsoft.com/office/drawing/2016/5/10/chartex" xmlns:cx3="http://schemas.microsoft.com/office/drawing/2016/5/9/chartex" xmlns:cx2="http://schemas.microsoft.com/office/drawing/2015/10/21/chartex" xmlns:cx1="http://schemas.microsoft.com/office/drawing/2015/9/8/chartex" xmlns:cx="http://schemas.microsoft.com/office/drawing/2014/chartex" xmlns:wpc="http://schemas.microsoft.com/office/word/2010/wordprocessingCanvas" xmlns="" xmlns:pic="http://schemas.openxmlformats.org/drawingml/2006/picture" xmlns:lc="http://schemas.openxmlformats.org/drawingml/2006/lockedCanvas" val="0"/>
+                <a14:useLocalDpi xmlns:lc="http://schemas.openxmlformats.org/drawingml/2006/lockedCanvas" xmlns:pic="http://schemas.openxmlformats.org/drawingml/2006/picture" xmlns="" xmlns:wpc="http://schemas.microsoft.com/office/word/2010/wordprocessingCanvas" xmlns:cx="http://schemas.microsoft.com/office/drawing/2014/chartex" xmlns:cx1="http://schemas.microsoft.com/office/drawing/2015/9/8/chartex" xmlns:cx2="http://schemas.microsoft.com/office/drawing/2015/10/21/chartex" xmlns:cx3="http://schemas.microsoft.com/office/drawing/2016/5/9/chartex" xmlns:cx4="http://schemas.microsoft.com/office/drawing/2016/5/10/chartex" xmlns:cx5="http://schemas.microsoft.com/office/drawing/2016/5/11/chartex" xmlns:cx6="http://schemas.microsoft.com/office/drawing/2016/5/12/chartex" xmlns:cx7="http://schemas.microsoft.com/office/drawing/2016/5/13/chartex" xmlns:cx8="http://schemas.microsoft.com/office/drawing/2016/5/14/chartex" xmlns:mc="http://schemas.openxmlformats.org/markup-compatibility/2006" xmlns:aink="http://schemas.microsoft.com/office/drawing/2016/ink" xmlns:am3d="http://schemas.microsoft.com/office/drawing/2017/model3d" xmlns:o="urn:schemas-microsoft-com:office:office" xmlns:oel="http://schemas.microsoft.com/office/2019/extlst" xmlns:v="urn:schemas-microsoft-com:vml" xmlns:wp14="http://schemas.microsoft.com/office/word/2010/wordprocessingDrawing" xmlns:w10="urn:schemas-microsoft-com:office:word" xmlns:w="http://schemas.openxmlformats.org/wordprocessingml/2006/main" xmlns:w14="http://schemas.microsoft.com/office/word/2010/wordml" xmlns:w15="http://schemas.microsoft.com/office/word/2012/wordml" xmlns:w16cex="http://schemas.microsoft.com/office/word/2018/wordml/cex" xmlns:w16cid="http://schemas.microsoft.com/office/word/2016/wordml/cid" xmlns:w16="http://schemas.microsoft.com/office/word/2018/wordml" xmlns:w16du="http://schemas.microsoft.com/office/word/2023/wordml/word16du" xmlns:w16sdtdh="http://schemas.microsoft.com/office/word/2020/wordml/sdtdatahash" xmlns:w16se="http://schemas.microsoft.com/office/word/2015/wordml/symex" xmlns:wpg="http://schemas.microsoft.com/office/word/2010/wordprocessingGroup" xmlns:wpi="http://schemas.microsoft.com/office/word/2010/wordprocessingInk" xmlns:wps="http://schemas.microsoft.com/office/word/2010/wordprocessingShape" xmlns:a14="http://schemas.microsoft.com/office/drawing/2010/main" xmlns:wne="http://schemas.microsoft.com/office/word/2006/wordml" xmlns:wp="http://schemas.openxmlformats.org/drawingml/2006/wordprocessingDrawing" xmlns:m="http://schemas.openxmlformats.org/officeDocument/2006/math" xmlns:ve="http://schemas.openxmlformats.org/markup-compatibility/2006" val="0"/>
               </a:ext>
             </a:extLst>
           </a:blip>
@@ -3938,7 +3962,7 @@
           <a:blip r:embed="rId3">
             <a:extLst>
               <a:ext uri="{28A0092B-C50C-407E-A947-70E740481C1C}">
-                <a14:useLocalDpi xmlns:ve="http://schemas.openxmlformats.org/markup-compatibility/2006" xmlns:m="http://schemas.openxmlformats.org/officeDocument/2006/math" xmlns:wp="http://schemas.openxmlformats.org/drawingml/2006/wordprocessingDrawing" xmlns:wne="http://schemas.microsoft.com/office/word/2006/wordml" xmlns:a14="http://schemas.microsoft.com/office/drawing/2010/main" xmlns:wps="http://schemas.microsoft.com/office/word/2010/wordprocessingShape" xmlns:wpi="http://schemas.microsoft.com/office/word/2010/wordprocessingInk" xmlns:wpg="http://schemas.microsoft.com/office/word/2010/wordprocessingGroup" xmlns:w16se="http://schemas.microsoft.com/office/word/2015/wordml/symex" xmlns:w16sdtdh="http://schemas.microsoft.com/office/word/2020/wordml/sdtdatahash" xmlns:w16du="http://schemas.microsoft.com/office/word/2023/wordml/word16du" xmlns:w16="http://schemas.microsoft.com/office/word/2018/wordml" xmlns:w16cid="http://schemas.microsoft.com/office/word/2016/wordml/cid" xmlns:w16cex="http://schemas.microsoft.com/office/word/2018/wordml/cex" xmlns:w15="http://schemas.microsoft.com/office/word/2012/wordml" xmlns:w14="http://schemas.microsoft.com/office/word/2010/wordml" xmlns:w="http://schemas.openxmlformats.org/wordprocessingml/2006/main" xmlns:w10="urn:schemas-microsoft-com:office:word" xmlns:wp14="http://schemas.microsoft.com/office/word/2010/wordprocessingDrawing" xmlns:v="urn:schemas-microsoft-com:vml" xmlns:oel="http://schemas.microsoft.com/office/2019/extlst" xmlns:o="urn:schemas-microsoft-com:office:office" xmlns:am3d="http://schemas.microsoft.com/office/drawing/2017/model3d" xmlns:aink="http://schemas.microsoft.com/office/drawing/2016/ink" xmlns:mc="http://schemas.openxmlformats.org/markup-compatibility/2006" xmlns:cx8="http://schemas.microsoft.com/office/drawing/2016/5/14/chartex" xmlns:cx7="http://schemas.microsoft.com/office/drawing/2016/5/13/chartex" xmlns:cx6="http://schemas.microsoft.com/office/drawing/2016/5/12/chartex" xmlns:cx5="http://schemas.microsoft.com/office/drawing/2016/5/11/chartex" xmlns:cx4="http://schemas.microsoft.com/office/drawing/2016/5/10/chartex" xmlns:cx3="http://schemas.microsoft.com/office/drawing/2016/5/9/chartex" xmlns:cx2="http://schemas.microsoft.com/office/drawing/2015/10/21/chartex" xmlns:cx1="http://schemas.microsoft.com/office/drawing/2015/9/8/chartex" xmlns:cx="http://schemas.microsoft.com/office/drawing/2014/chartex" xmlns:wpc="http://schemas.microsoft.com/office/word/2010/wordprocessingCanvas" xmlns="" xmlns:pic="http://schemas.openxmlformats.org/drawingml/2006/picture" xmlns:lc="http://schemas.openxmlformats.org/drawingml/2006/lockedCanvas" val="0"/>
+                <a14:useLocalDpi xmlns:lc="http://schemas.openxmlformats.org/drawingml/2006/lockedCanvas" xmlns:pic="http://schemas.openxmlformats.org/drawingml/2006/picture" xmlns="" xmlns:wpc="http://schemas.microsoft.com/office/word/2010/wordprocessingCanvas" xmlns:cx="http://schemas.microsoft.com/office/drawing/2014/chartex" xmlns:cx1="http://schemas.microsoft.com/office/drawing/2015/9/8/chartex" xmlns:cx2="http://schemas.microsoft.com/office/drawing/2015/10/21/chartex" xmlns:cx3="http://schemas.microsoft.com/office/drawing/2016/5/9/chartex" xmlns:cx4="http://schemas.microsoft.com/office/drawing/2016/5/10/chartex" xmlns:cx5="http://schemas.microsoft.com/office/drawing/2016/5/11/chartex" xmlns:cx6="http://schemas.microsoft.com/office/drawing/2016/5/12/chartex" xmlns:cx7="http://schemas.microsoft.com/office/drawing/2016/5/13/chartex" xmlns:cx8="http://schemas.microsoft.com/office/drawing/2016/5/14/chartex" xmlns:mc="http://schemas.openxmlformats.org/markup-compatibility/2006" xmlns:aink="http://schemas.microsoft.com/office/drawing/2016/ink" xmlns:am3d="http://schemas.microsoft.com/office/drawing/2017/model3d" xmlns:o="urn:schemas-microsoft-com:office:office" xmlns:oel="http://schemas.microsoft.com/office/2019/extlst" xmlns:v="urn:schemas-microsoft-com:vml" xmlns:wp14="http://schemas.microsoft.com/office/word/2010/wordprocessingDrawing" xmlns:w10="urn:schemas-microsoft-com:office:word" xmlns:w="http://schemas.openxmlformats.org/wordprocessingml/2006/main" xmlns:w14="http://schemas.microsoft.com/office/word/2010/wordml" xmlns:w15="http://schemas.microsoft.com/office/word/2012/wordml" xmlns:w16cex="http://schemas.microsoft.com/office/word/2018/wordml/cex" xmlns:w16cid="http://schemas.microsoft.com/office/word/2016/wordml/cid" xmlns:w16="http://schemas.microsoft.com/office/word/2018/wordml" xmlns:w16du="http://schemas.microsoft.com/office/word/2023/wordml/word16du" xmlns:w16sdtdh="http://schemas.microsoft.com/office/word/2020/wordml/sdtdatahash" xmlns:w16se="http://schemas.microsoft.com/office/word/2015/wordml/symex" xmlns:wpg="http://schemas.microsoft.com/office/word/2010/wordprocessingGroup" xmlns:wpi="http://schemas.microsoft.com/office/word/2010/wordprocessingInk" xmlns:wps="http://schemas.microsoft.com/office/word/2010/wordprocessingShape" xmlns:a14="http://schemas.microsoft.com/office/drawing/2010/main" xmlns:wne="http://schemas.microsoft.com/office/word/2006/wordml" xmlns:wp="http://schemas.openxmlformats.org/drawingml/2006/wordprocessingDrawing" xmlns:m="http://schemas.openxmlformats.org/officeDocument/2006/math" xmlns:ve="http://schemas.openxmlformats.org/markup-compatibility/2006" val="0"/>
               </a:ext>
             </a:extLst>
           </a:blip>
@@ -4416,7 +4440,7 @@
           <a:blip r:embed="rId3">
             <a:extLst>
               <a:ext uri="{28A0092B-C50C-407E-A947-70E740481C1C}">
-                <a14:useLocalDpi xmlns:ve="http://schemas.openxmlformats.org/markup-compatibility/2006" xmlns:m="http://schemas.openxmlformats.org/officeDocument/2006/math" xmlns:wp="http://schemas.openxmlformats.org/drawingml/2006/wordprocessingDrawing" xmlns:wne="http://schemas.microsoft.com/office/word/2006/wordml" xmlns:a14="http://schemas.microsoft.com/office/drawing/2010/main" xmlns:wps="http://schemas.microsoft.com/office/word/2010/wordprocessingShape" xmlns:wpi="http://schemas.microsoft.com/office/word/2010/wordprocessingInk" xmlns:wpg="http://schemas.microsoft.com/office/word/2010/wordprocessingGroup" xmlns:w16se="http://schemas.microsoft.com/office/word/2015/wordml/symex" xmlns:w16sdtdh="http://schemas.microsoft.com/office/word/2020/wordml/sdtdatahash" xmlns:w16du="http://schemas.microsoft.com/office/word/2023/wordml/word16du" xmlns:w16="http://schemas.microsoft.com/office/word/2018/wordml" xmlns:w16cid="http://schemas.microsoft.com/office/word/2016/wordml/cid" xmlns:w16cex="http://schemas.microsoft.com/office/word/2018/wordml/cex" xmlns:w15="http://schemas.microsoft.com/office/word/2012/wordml" xmlns:w14="http://schemas.microsoft.com/office/word/2010/wordml" xmlns:w="http://schemas.openxmlformats.org/wordprocessingml/2006/main" xmlns:w10="urn:schemas-microsoft-com:office:word" xmlns:wp14="http://schemas.microsoft.com/office/word/2010/wordprocessingDrawing" xmlns:v="urn:schemas-microsoft-com:vml" xmlns:oel="http://schemas.microsoft.com/office/2019/extlst" xmlns:o="urn:schemas-microsoft-com:office:office" xmlns:am3d="http://schemas.microsoft.com/office/drawing/2017/model3d" xmlns:aink="http://schemas.microsoft.com/office/drawing/2016/ink" xmlns:mc="http://schemas.openxmlformats.org/markup-compatibility/2006" xmlns:cx8="http://schemas.microsoft.com/office/drawing/2016/5/14/chartex" xmlns:cx7="http://schemas.microsoft.com/office/drawing/2016/5/13/chartex" xmlns:cx6="http://schemas.microsoft.com/office/drawing/2016/5/12/chartex" xmlns:cx5="http://schemas.microsoft.com/office/drawing/2016/5/11/chartex" xmlns:cx4="http://schemas.microsoft.com/office/drawing/2016/5/10/chartex" xmlns:cx3="http://schemas.microsoft.com/office/drawing/2016/5/9/chartex" xmlns:cx2="http://schemas.microsoft.com/office/drawing/2015/10/21/chartex" xmlns:cx1="http://schemas.microsoft.com/office/drawing/2015/9/8/chartex" xmlns:cx="http://schemas.microsoft.com/office/drawing/2014/chartex" xmlns:wpc="http://schemas.microsoft.com/office/word/2010/wordprocessingCanvas" xmlns="" xmlns:pic="http://schemas.openxmlformats.org/drawingml/2006/picture" xmlns:lc="http://schemas.openxmlformats.org/drawingml/2006/lockedCanvas" val="0"/>
+                <a14:useLocalDpi xmlns:lc="http://schemas.openxmlformats.org/drawingml/2006/lockedCanvas" xmlns:pic="http://schemas.openxmlformats.org/drawingml/2006/picture" xmlns="" xmlns:wpc="http://schemas.microsoft.com/office/word/2010/wordprocessingCanvas" xmlns:cx="http://schemas.microsoft.com/office/drawing/2014/chartex" xmlns:cx1="http://schemas.microsoft.com/office/drawing/2015/9/8/chartex" xmlns:cx2="http://schemas.microsoft.com/office/drawing/2015/10/21/chartex" xmlns:cx3="http://schemas.microsoft.com/office/drawing/2016/5/9/chartex" xmlns:cx4="http://schemas.microsoft.com/office/drawing/2016/5/10/chartex" xmlns:cx5="http://schemas.microsoft.com/office/drawing/2016/5/11/chartex" xmlns:cx6="http://schemas.microsoft.com/office/drawing/2016/5/12/chartex" xmlns:cx7="http://schemas.microsoft.com/office/drawing/2016/5/13/chartex" xmlns:cx8="http://schemas.microsoft.com/office/drawing/2016/5/14/chartex" xmlns:mc="http://schemas.openxmlformats.org/markup-compatibility/2006" xmlns:aink="http://schemas.microsoft.com/office/drawing/2016/ink" xmlns:am3d="http://schemas.microsoft.com/office/drawing/2017/model3d" xmlns:o="urn:schemas-microsoft-com:office:office" xmlns:oel="http://schemas.microsoft.com/office/2019/extlst" xmlns:v="urn:schemas-microsoft-com:vml" xmlns:wp14="http://schemas.microsoft.com/office/word/2010/wordprocessingDrawing" xmlns:w10="urn:schemas-microsoft-com:office:word" xmlns:w="http://schemas.openxmlformats.org/wordprocessingml/2006/main" xmlns:w14="http://schemas.microsoft.com/office/word/2010/wordml" xmlns:w15="http://schemas.microsoft.com/office/word/2012/wordml" xmlns:w16cex="http://schemas.microsoft.com/office/word/2018/wordml/cex" xmlns:w16cid="http://schemas.microsoft.com/office/word/2016/wordml/cid" xmlns:w16="http://schemas.microsoft.com/office/word/2018/wordml" xmlns:w16du="http://schemas.microsoft.com/office/word/2023/wordml/word16du" xmlns:w16sdtdh="http://schemas.microsoft.com/office/word/2020/wordml/sdtdatahash" xmlns:w16se="http://schemas.microsoft.com/office/word/2015/wordml/symex" xmlns:wpg="http://schemas.microsoft.com/office/word/2010/wordprocessingGroup" xmlns:wpi="http://schemas.microsoft.com/office/word/2010/wordprocessingInk" xmlns:wps="http://schemas.microsoft.com/office/word/2010/wordprocessingShape" xmlns:a14="http://schemas.microsoft.com/office/drawing/2010/main" xmlns:wne="http://schemas.microsoft.com/office/word/2006/wordml" xmlns:wp="http://schemas.openxmlformats.org/drawingml/2006/wordprocessingDrawing" xmlns:m="http://schemas.openxmlformats.org/officeDocument/2006/math" xmlns:ve="http://schemas.openxmlformats.org/markup-compatibility/2006" val="0"/>
               </a:ext>
             </a:extLst>
           </a:blip>
@@ -4515,7 +4539,7 @@
           <a:blip r:embed="rId2">
             <a:extLst>
               <a:ext uri="{28A0092B-C50C-407E-A947-70E740481C1C}">
-                <a14:useLocalDpi xmlns:ve="http://schemas.openxmlformats.org/markup-compatibility/2006" xmlns:m="http://schemas.openxmlformats.org/officeDocument/2006/math" xmlns:wp="http://schemas.openxmlformats.org/drawingml/2006/wordprocessingDrawing" xmlns:wne="http://schemas.microsoft.com/office/word/2006/wordml" xmlns:a14="http://schemas.microsoft.com/office/drawing/2010/main" xmlns:wps="http://schemas.microsoft.com/office/word/2010/wordprocessingShape" xmlns:wpi="http://schemas.microsoft.com/office/word/2010/wordprocessingInk" xmlns:wpg="http://schemas.microsoft.com/office/word/2010/wordprocessingGroup" xmlns:w16se="http://schemas.microsoft.com/office/word/2015/wordml/symex" xmlns:w16sdtdh="http://schemas.microsoft.com/office/word/2020/wordml/sdtdatahash" xmlns:w16du="http://schemas.microsoft.com/office/word/2023/wordml/word16du" xmlns:w16="http://schemas.microsoft.com/office/word/2018/wordml" xmlns:w16cid="http://schemas.microsoft.com/office/word/2016/wordml/cid" xmlns:w16cex="http://schemas.microsoft.com/office/word/2018/wordml/cex" xmlns:w15="http://schemas.microsoft.com/office/word/2012/wordml" xmlns:w14="http://schemas.microsoft.com/office/word/2010/wordml" xmlns:w="http://schemas.openxmlformats.org/wordprocessingml/2006/main" xmlns:w10="urn:schemas-microsoft-com:office:word" xmlns:wp14="http://schemas.microsoft.com/office/word/2010/wordprocessingDrawing" xmlns:v="urn:schemas-microsoft-com:vml" xmlns:oel="http://schemas.microsoft.com/office/2019/extlst" xmlns:o="urn:schemas-microsoft-com:office:office" xmlns:am3d="http://schemas.microsoft.com/office/drawing/2017/model3d" xmlns:aink="http://schemas.microsoft.com/office/drawing/2016/ink" xmlns:mc="http://schemas.openxmlformats.org/markup-compatibility/2006" xmlns:cx8="http://schemas.microsoft.com/office/drawing/2016/5/14/chartex" xmlns:cx7="http://schemas.microsoft.com/office/drawing/2016/5/13/chartex" xmlns:cx6="http://schemas.microsoft.com/office/drawing/2016/5/12/chartex" xmlns:cx5="http://schemas.microsoft.com/office/drawing/2016/5/11/chartex" xmlns:cx4="http://schemas.microsoft.com/office/drawing/2016/5/10/chartex" xmlns:cx3="http://schemas.microsoft.com/office/drawing/2016/5/9/chartex" xmlns:cx2="http://schemas.microsoft.com/office/drawing/2015/10/21/chartex" xmlns:cx1="http://schemas.microsoft.com/office/drawing/2015/9/8/chartex" xmlns:cx="http://schemas.microsoft.com/office/drawing/2014/chartex" xmlns:wpc="http://schemas.microsoft.com/office/word/2010/wordprocessingCanvas" xmlns="" xmlns:pic="http://schemas.openxmlformats.org/drawingml/2006/picture" xmlns:lc="http://schemas.openxmlformats.org/drawingml/2006/lockedCanvas" val="0"/>
+                <a14:useLocalDpi xmlns:lc="http://schemas.openxmlformats.org/drawingml/2006/lockedCanvas" xmlns:pic="http://schemas.openxmlformats.org/drawingml/2006/picture" xmlns="" xmlns:wpc="http://schemas.microsoft.com/office/word/2010/wordprocessingCanvas" xmlns:cx="http://schemas.microsoft.com/office/drawing/2014/chartex" xmlns:cx1="http://schemas.microsoft.com/office/drawing/2015/9/8/chartex" xmlns:cx2="http://schemas.microsoft.com/office/drawing/2015/10/21/chartex" xmlns:cx3="http://schemas.microsoft.com/office/drawing/2016/5/9/chartex" xmlns:cx4="http://schemas.microsoft.com/office/drawing/2016/5/10/chartex" xmlns:cx5="http://schemas.microsoft.com/office/drawing/2016/5/11/chartex" xmlns:cx6="http://schemas.microsoft.com/office/drawing/2016/5/12/chartex" xmlns:cx7="http://schemas.microsoft.com/office/drawing/2016/5/13/chartex" xmlns:cx8="http://schemas.microsoft.com/office/drawing/2016/5/14/chartex" xmlns:mc="http://schemas.openxmlformats.org/markup-compatibility/2006" xmlns:aink="http://schemas.microsoft.com/office/drawing/2016/ink" xmlns:am3d="http://schemas.microsoft.com/office/drawing/2017/model3d" xmlns:o="urn:schemas-microsoft-com:office:office" xmlns:oel="http://schemas.microsoft.com/office/2019/extlst" xmlns:v="urn:schemas-microsoft-com:vml" xmlns:wp14="http://schemas.microsoft.com/office/word/2010/wordprocessingDrawing" xmlns:w10="urn:schemas-microsoft-com:office:word" xmlns:w="http://schemas.openxmlformats.org/wordprocessingml/2006/main" xmlns:w14="http://schemas.microsoft.com/office/word/2010/wordml" xmlns:w15="http://schemas.microsoft.com/office/word/2012/wordml" xmlns:w16cex="http://schemas.microsoft.com/office/word/2018/wordml/cex" xmlns:w16cid="http://schemas.microsoft.com/office/word/2016/wordml/cid" xmlns:w16="http://schemas.microsoft.com/office/word/2018/wordml" xmlns:w16du="http://schemas.microsoft.com/office/word/2023/wordml/word16du" xmlns:w16sdtdh="http://schemas.microsoft.com/office/word/2020/wordml/sdtdatahash" xmlns:w16se="http://schemas.microsoft.com/office/word/2015/wordml/symex" xmlns:wpg="http://schemas.microsoft.com/office/word/2010/wordprocessingGroup" xmlns:wpi="http://schemas.microsoft.com/office/word/2010/wordprocessingInk" xmlns:wps="http://schemas.microsoft.com/office/word/2010/wordprocessingShape" xmlns:a14="http://schemas.microsoft.com/office/drawing/2010/main" xmlns:wne="http://schemas.microsoft.com/office/word/2006/wordml" xmlns:wp="http://schemas.openxmlformats.org/drawingml/2006/wordprocessingDrawing" xmlns:m="http://schemas.openxmlformats.org/officeDocument/2006/math" xmlns:ve="http://schemas.openxmlformats.org/markup-compatibility/2006" val="0"/>
               </a:ext>
             </a:extLst>
           </a:blip>
@@ -4674,7 +4698,7 @@
           <a:blip r:embed="rId3">
             <a:extLst>
               <a:ext uri="{28A0092B-C50C-407E-A947-70E740481C1C}">
-                <a14:useLocalDpi xmlns:ve="http://schemas.openxmlformats.org/markup-compatibility/2006" xmlns:m="http://schemas.openxmlformats.org/officeDocument/2006/math" xmlns:wp="http://schemas.openxmlformats.org/drawingml/2006/wordprocessingDrawing" xmlns:wne="http://schemas.microsoft.com/office/word/2006/wordml" xmlns:a14="http://schemas.microsoft.com/office/drawing/2010/main" xmlns:wps="http://schemas.microsoft.com/office/word/2010/wordprocessingShape" xmlns:wpi="http://schemas.microsoft.com/office/word/2010/wordprocessingInk" xmlns:wpg="http://schemas.microsoft.com/office/word/2010/wordprocessingGroup" xmlns:w16se="http://schemas.microsoft.com/office/word/2015/wordml/symex" xmlns:w16sdtdh="http://schemas.microsoft.com/office/word/2020/wordml/sdtdatahash" xmlns:w16du="http://schemas.microsoft.com/office/word/2023/wordml/word16du" xmlns:w16="http://schemas.microsoft.com/office/word/2018/wordml" xmlns:w16cid="http://schemas.microsoft.com/office/word/2016/wordml/cid" xmlns:w16cex="http://schemas.microsoft.com/office/word/2018/wordml/cex" xmlns:w15="http://schemas.microsoft.com/office/word/2012/wordml" xmlns:w14="http://schemas.microsoft.com/office/word/2010/wordml" xmlns:w="http://schemas.openxmlformats.org/wordprocessingml/2006/main" xmlns:w10="urn:schemas-microsoft-com:office:word" xmlns:wp14="http://schemas.microsoft.com/office/word/2010/wordprocessingDrawing" xmlns:v="urn:schemas-microsoft-com:vml" xmlns:oel="http://schemas.microsoft.com/office/2019/extlst" xmlns:o="urn:schemas-microsoft-com:office:office" xmlns:am3d="http://schemas.microsoft.com/office/drawing/2017/model3d" xmlns:aink="http://schemas.microsoft.com/office/drawing/2016/ink" xmlns:mc="http://schemas.openxmlformats.org/markup-compatibility/2006" xmlns:cx8="http://schemas.microsoft.com/office/drawing/2016/5/14/chartex" xmlns:cx7="http://schemas.microsoft.com/office/drawing/2016/5/13/chartex" xmlns:cx6="http://schemas.microsoft.com/office/drawing/2016/5/12/chartex" xmlns:cx5="http://schemas.microsoft.com/office/drawing/2016/5/11/chartex" xmlns:cx4="http://schemas.microsoft.com/office/drawing/2016/5/10/chartex" xmlns:cx3="http://schemas.microsoft.com/office/drawing/2016/5/9/chartex" xmlns:cx2="http://schemas.microsoft.com/office/drawing/2015/10/21/chartex" xmlns:cx1="http://schemas.microsoft.com/office/drawing/2015/9/8/chartex" xmlns:cx="http://schemas.microsoft.com/office/drawing/2014/chartex" xmlns:wpc="http://schemas.microsoft.com/office/word/2010/wordprocessingCanvas" xmlns="" xmlns:pic="http://schemas.openxmlformats.org/drawingml/2006/picture" xmlns:lc="http://schemas.openxmlformats.org/drawingml/2006/lockedCanvas" val="0"/>
+                <a14:useLocalDpi xmlns:lc="http://schemas.openxmlformats.org/drawingml/2006/lockedCanvas" xmlns:pic="http://schemas.openxmlformats.org/drawingml/2006/picture" xmlns="" xmlns:wpc="http://schemas.microsoft.com/office/word/2010/wordprocessingCanvas" xmlns:cx="http://schemas.microsoft.com/office/drawing/2014/chartex" xmlns:cx1="http://schemas.microsoft.com/office/drawing/2015/9/8/chartex" xmlns:cx2="http://schemas.microsoft.com/office/drawing/2015/10/21/chartex" xmlns:cx3="http://schemas.microsoft.com/office/drawing/2016/5/9/chartex" xmlns:cx4="http://schemas.microsoft.com/office/drawing/2016/5/10/chartex" xmlns:cx5="http://schemas.microsoft.com/office/drawing/2016/5/11/chartex" xmlns:cx6="http://schemas.microsoft.com/office/drawing/2016/5/12/chartex" xmlns:cx7="http://schemas.microsoft.com/office/drawing/2016/5/13/chartex" xmlns:cx8="http://schemas.microsoft.com/office/drawing/2016/5/14/chartex" xmlns:mc="http://schemas.openxmlformats.org/markup-compatibility/2006" xmlns:aink="http://schemas.microsoft.com/office/drawing/2016/ink" xmlns:am3d="http://schemas.microsoft.com/office/drawing/2017/model3d" xmlns:o="urn:schemas-microsoft-com:office:office" xmlns:oel="http://schemas.microsoft.com/office/2019/extlst" xmlns:v="urn:schemas-microsoft-com:vml" xmlns:wp14="http://schemas.microsoft.com/office/word/2010/wordprocessingDrawing" xmlns:w10="urn:schemas-microsoft-com:office:word" xmlns:w="http://schemas.openxmlformats.org/wordprocessingml/2006/main" xmlns:w14="http://schemas.microsoft.com/office/word/2010/wordml" xmlns:w15="http://schemas.microsoft.com/office/word/2012/wordml" xmlns:w16cex="http://schemas.microsoft.com/office/word/2018/wordml/cex" xmlns:w16cid="http://schemas.microsoft.com/office/word/2016/wordml/cid" xmlns:w16="http://schemas.microsoft.com/office/word/2018/wordml" xmlns:w16du="http://schemas.microsoft.com/office/word/2023/wordml/word16du" xmlns:w16sdtdh="http://schemas.microsoft.com/office/word/2020/wordml/sdtdatahash" xmlns:w16se="http://schemas.microsoft.com/office/word/2015/wordml/symex" xmlns:wpg="http://schemas.microsoft.com/office/word/2010/wordprocessingGroup" xmlns:wpi="http://schemas.microsoft.com/office/word/2010/wordprocessingInk" xmlns:wps="http://schemas.microsoft.com/office/word/2010/wordprocessingShape" xmlns:a14="http://schemas.microsoft.com/office/drawing/2010/main" xmlns:wne="http://schemas.microsoft.com/office/word/2006/wordml" xmlns:wp="http://schemas.openxmlformats.org/drawingml/2006/wordprocessingDrawing" xmlns:m="http://schemas.openxmlformats.org/officeDocument/2006/math" xmlns:ve="http://schemas.openxmlformats.org/markup-compatibility/2006" val="0"/>
               </a:ext>
             </a:extLst>
           </a:blip>
